--- a/supp/MedNLP(experiment).pptx
+++ b/supp/MedNLP(experiment).pptx
@@ -207,7 +207,7 @@
           <a:p>
             <a:fld id="{DBCD81AA-B051-4E24-9EFC-B0EA876085F1}" type="datetimeFigureOut">
               <a:rPr lang="en-US" smtClean="0"/>
-              <a:t>7/22/2019</a:t>
+              <a:t>7/25/2019</a:t>
             </a:fld>
             <a:endParaRPr lang="en-US"/>
           </a:p>
@@ -1710,7 +1710,7 @@
           <a:p>
             <a:fld id="{8398C49C-54E5-40B3-9736-0B95C55DAFEE}" type="datetimeFigureOut">
               <a:rPr lang="en-US" smtClean="0"/>
-              <a:t>7/22/2019</a:t>
+              <a:t>7/25/2019</a:t>
             </a:fld>
             <a:endParaRPr lang="en-US"/>
           </a:p>
@@ -1880,7 +1880,7 @@
           <a:p>
             <a:fld id="{8398C49C-54E5-40B3-9736-0B95C55DAFEE}" type="datetimeFigureOut">
               <a:rPr lang="en-US" smtClean="0"/>
-              <a:t>7/22/2019</a:t>
+              <a:t>7/25/2019</a:t>
             </a:fld>
             <a:endParaRPr lang="en-US"/>
           </a:p>
@@ -2060,7 +2060,7 @@
           <a:p>
             <a:fld id="{8398C49C-54E5-40B3-9736-0B95C55DAFEE}" type="datetimeFigureOut">
               <a:rPr lang="en-US" smtClean="0"/>
-              <a:t>7/22/2019</a:t>
+              <a:t>7/25/2019</a:t>
             </a:fld>
             <a:endParaRPr lang="en-US"/>
           </a:p>
@@ -4317,7 +4317,7 @@
           <a:p>
             <a:fld id="{8398C49C-54E5-40B3-9736-0B95C55DAFEE}" type="datetimeFigureOut">
               <a:rPr lang="en-US" smtClean="0"/>
-              <a:t>7/22/2019</a:t>
+              <a:t>7/25/2019</a:t>
             </a:fld>
             <a:endParaRPr lang="en-US"/>
           </a:p>
@@ -6123,7 +6123,7 @@
           <a:p>
             <a:fld id="{8398C49C-54E5-40B3-9736-0B95C55DAFEE}" type="datetimeFigureOut">
               <a:rPr lang="en-US" smtClean="0"/>
-              <a:t>7/22/2019</a:t>
+              <a:t>7/25/2019</a:t>
             </a:fld>
             <a:endParaRPr lang="en-US"/>
           </a:p>
@@ -6355,7 +6355,7 @@
           <a:p>
             <a:fld id="{8398C49C-54E5-40B3-9736-0B95C55DAFEE}" type="datetimeFigureOut">
               <a:rPr lang="en-US" smtClean="0"/>
-              <a:t>7/22/2019</a:t>
+              <a:t>7/25/2019</a:t>
             </a:fld>
             <a:endParaRPr lang="en-US"/>
           </a:p>
@@ -6722,7 +6722,7 @@
           <a:p>
             <a:fld id="{8398C49C-54E5-40B3-9736-0B95C55DAFEE}" type="datetimeFigureOut">
               <a:rPr lang="en-US" smtClean="0"/>
-              <a:t>7/22/2019</a:t>
+              <a:t>7/25/2019</a:t>
             </a:fld>
             <a:endParaRPr lang="en-US"/>
           </a:p>
@@ -6840,7 +6840,7 @@
           <a:p>
             <a:fld id="{8398C49C-54E5-40B3-9736-0B95C55DAFEE}" type="datetimeFigureOut">
               <a:rPr lang="en-US" smtClean="0"/>
-              <a:t>7/22/2019</a:t>
+              <a:t>7/25/2019</a:t>
             </a:fld>
             <a:endParaRPr lang="en-US"/>
           </a:p>
@@ -6935,7 +6935,7 @@
           <a:p>
             <a:fld id="{8398C49C-54E5-40B3-9736-0B95C55DAFEE}" type="datetimeFigureOut">
               <a:rPr lang="en-US" smtClean="0"/>
-              <a:t>7/22/2019</a:t>
+              <a:t>7/25/2019</a:t>
             </a:fld>
             <a:endParaRPr lang="en-US"/>
           </a:p>
@@ -7212,7 +7212,7 @@
           <a:p>
             <a:fld id="{8398C49C-54E5-40B3-9736-0B95C55DAFEE}" type="datetimeFigureOut">
               <a:rPr lang="en-US" smtClean="0"/>
-              <a:t>7/22/2019</a:t>
+              <a:t>7/25/2019</a:t>
             </a:fld>
             <a:endParaRPr lang="en-US"/>
           </a:p>
@@ -7465,7 +7465,7 @@
           <a:p>
             <a:fld id="{8398C49C-54E5-40B3-9736-0B95C55DAFEE}" type="datetimeFigureOut">
               <a:rPr lang="en-US" smtClean="0"/>
-              <a:t>7/22/2019</a:t>
+              <a:t>7/25/2019</a:t>
             </a:fld>
             <a:endParaRPr lang="en-US"/>
           </a:p>
@@ -7678,7 +7678,7 @@
           <a:p>
             <a:fld id="{8398C49C-54E5-40B3-9736-0B95C55DAFEE}" type="datetimeFigureOut">
               <a:rPr lang="en-US" smtClean="0"/>
-              <a:t>7/22/2019</a:t>
+              <a:t>7/25/2019</a:t>
             </a:fld>
             <a:endParaRPr lang="en-US"/>
           </a:p>
@@ -14005,9 +14005,14 @@
             <p:ph type="title"/>
           </p:nvPr>
         </p:nvSpPr>
-        <p:spPr/>
+        <p:spPr>
+          <a:xfrm>
+            <a:off x="838200" y="563197"/>
+            <a:ext cx="10515600" cy="1616810"/>
+          </a:xfrm>
+        </p:spPr>
         <p:txBody>
-          <a:bodyPr anchor="t"/>
+          <a:bodyPr anchor="ctr"/>
           <a:lstStyle/>
           <a:p>
             <a:r>
@@ -14277,10 +14282,10 @@
                 <a:ea typeface="微软雅黑" panose="020B0503020204020204" pitchFamily="34" charset="-122"/>
                 <a:cs typeface="Times New Roman" panose="02020603050405020304" pitchFamily="18" charset="0"/>
               </a:rPr>
-              <a:t>(</a:t>
-            </a:r>
-            <a:r>
-              <a:rPr lang="en-US" altLang="zh-CN" sz="1600">
+              <a:t>(batch </a:t>
+            </a:r>
+            <a:r>
+              <a:rPr lang="en-US" altLang="zh-CN" sz="1600" dirty="0" smtClean="0">
                 <a:solidFill>
                   <a:schemeClr val="tx1"/>
                 </a:solidFill>
@@ -14288,27 +14293,8 @@
                 <a:ea typeface="微软雅黑" panose="020B0503020204020204" pitchFamily="34" charset="-122"/>
                 <a:cs typeface="Times New Roman" panose="02020603050405020304" pitchFamily="18" charset="0"/>
               </a:rPr>
-              <a:t>batch </a:t>
-            </a:r>
-            <a:r>
-              <a:rPr lang="en-US" altLang="zh-CN" sz="1600" smtClean="0">
-                <a:solidFill>
-                  <a:schemeClr val="tx1"/>
-                </a:solidFill>
-                <a:latin typeface="Times New Roman" panose="02020603050405020304" pitchFamily="18" charset="0"/>
-                <a:ea typeface="微软雅黑" panose="020B0503020204020204" pitchFamily="34" charset="-122"/>
-                <a:cs typeface="Times New Roman" panose="02020603050405020304" pitchFamily="18" charset="0"/>
-              </a:rPr>
               <a:t>size)</a:t>
             </a:r>
-            <a:endParaRPr lang="en-US" altLang="zh-CN" sz="1600" dirty="0" smtClean="0">
-              <a:solidFill>
-                <a:schemeClr val="tx1"/>
-              </a:solidFill>
-              <a:latin typeface="Times New Roman" panose="02020603050405020304" pitchFamily="18" charset="0"/>
-              <a:ea typeface="微软雅黑" panose="020B0503020204020204" pitchFamily="34" charset="-122"/>
-              <a:cs typeface="Times New Roman" panose="02020603050405020304" pitchFamily="18" charset="0"/>
-            </a:endParaRPr>
           </a:p>
           <a:p>
             <a:pPr lvl="1">
@@ -14594,6 +14580,37 @@
           </a:prstGeom>
         </p:spPr>
       </p:pic>
+      <p:sp>
+        <p:nvSpPr>
+          <p:cNvPr id="8" name="Rectangle 7"/>
+          <p:cNvSpPr/>
+          <p:nvPr/>
+        </p:nvSpPr>
+        <p:spPr>
+          <a:xfrm>
+            <a:off x="2007087" y="218061"/>
+            <a:ext cx="10219326" cy="523220"/>
+          </a:xfrm>
+          <a:prstGeom prst="rect">
+            <a:avLst/>
+          </a:prstGeom>
+        </p:spPr>
+        <p:txBody>
+          <a:bodyPr wrap="square">
+            <a:spAutoFit/>
+          </a:bodyPr>
+          <a:lstStyle/>
+          <a:p>
+            <a:r>
+              <a:rPr lang="en-US" sz="2800" dirty="0">
+                <a:hlinkClick r:id="rId7"/>
+              </a:rPr>
+              <a:t>https://github.com/zonghui0228/experiment_CriteriaClassification</a:t>
+            </a:r>
+            <a:endParaRPr lang="en-US" sz="2800" dirty="0"/>
+          </a:p>
+        </p:txBody>
+      </p:sp>
     </p:spTree>
     <p:extLst>
       <p:ext uri="{BB962C8B-B14F-4D97-AF65-F5344CB8AC3E}">
